--- a/documentation/redesignbasicoverview/redesignbasicoverview.pptx
+++ b/documentation/redesignbasicoverview/redesignbasicoverview.pptx
@@ -7541,7 +7541,6 @@
               <a:rPr lang="en-US" dirty="0" smtClean="0"/>
               <a:t>Scalability</a:t>
             </a:r>
-            <a:endParaRPr lang="en-US" dirty="0" smtClean="0"/>
           </a:p>
           <a:p>
             <a:pPr lvl="1"/>
@@ -7557,7 +7556,6 @@
               <a:rPr lang="en-US" dirty="0" smtClean="0"/>
               <a:t>an increased workload.</a:t>
             </a:r>
-            <a:endParaRPr lang="en-US" dirty="0" smtClean="0"/>
           </a:p>
           <a:p>
             <a:r>
@@ -7569,13 +7567,8 @@
             <a:pPr lvl="1"/>
             <a:r>
               <a:rPr lang="en-US" dirty="0" smtClean="0"/>
-              <a:t>Ability to process tasks </a:t>
-            </a:r>
-            <a:r>
-              <a:rPr lang="en-US" dirty="0" smtClean="0"/>
-              <a:t>faster via scale-out and improved parallel processing.</a:t>
-            </a:r>
-            <a:endParaRPr lang="en-US" dirty="0" smtClean="0"/>
+              <a:t>Ability to process tasks faster via scale-out and improved parallel processing.</a:t>
+            </a:r>
           </a:p>
           <a:p>
             <a:r>
@@ -7587,19 +7580,7 @@
             <a:pPr lvl="1"/>
             <a:r>
               <a:rPr lang="en-US" dirty="0" smtClean="0"/>
-              <a:t>Ability to ensure tasks are always </a:t>
-            </a:r>
-            <a:r>
-              <a:rPr lang="en-US" dirty="0" smtClean="0"/>
-              <a:t>completed or accounted for </a:t>
-            </a:r>
-            <a:r>
-              <a:rPr lang="en-US" dirty="0" smtClean="0"/>
-              <a:t>and not </a:t>
-            </a:r>
-            <a:r>
-              <a:rPr lang="en-US" dirty="0" smtClean="0"/>
-              <a:t>lost.</a:t>
+              <a:t>Ability to ensure tasks are always completed or accounted for and not lost.</a:t>
             </a:r>
             <a:endParaRPr lang="en-US" dirty="0"/>
           </a:p>
@@ -7615,7 +7596,6 @@
               <a:rPr lang="en-US" dirty="0" smtClean="0"/>
               <a:t>Ability to communicate more efficiently with Secret Server.</a:t>
             </a:r>
-            <a:endParaRPr lang="en-US" dirty="0" smtClean="0"/>
           </a:p>
           <a:p>
             <a:pPr lvl="1"/>
@@ -7717,31 +7697,7 @@
             </a:r>
             <a:r>
               <a:rPr lang="en-US" dirty="0" smtClean="0"/>
-              <a:t> introduces </a:t>
-            </a:r>
-            <a:r>
-              <a:rPr lang="en-US" dirty="0" smtClean="0"/>
-              <a:t>the concept of </a:t>
-            </a:r>
-            <a:r>
-              <a:rPr lang="en-US" dirty="0" smtClean="0"/>
-              <a:t>the E</a:t>
-            </a:r>
-            <a:r>
-              <a:rPr lang="en-US" dirty="0" smtClean="0"/>
-              <a:t>xchange: </a:t>
-            </a:r>
-            <a:r>
-              <a:rPr lang="en-US" dirty="0" smtClean="0"/>
-              <a:t>Requests for various tasks are placed on the </a:t>
-            </a:r>
-            <a:r>
-              <a:rPr lang="en-US" dirty="0" smtClean="0"/>
-              <a:t>Exchange </a:t>
-            </a:r>
-            <a:r>
-              <a:rPr lang="en-US" dirty="0" smtClean="0"/>
-              <a:t>where they are available for processing.</a:t>
+              <a:t> introduces the concept of the Exchange: Requests for various tasks are placed on the Exchange where they are available for processing.</a:t>
             </a:r>
           </a:p>
           <a:p>
@@ -7854,7 +7810,15 @@
           <a:p>
             <a:r>
               <a:rPr lang="en-US" dirty="0" smtClean="0"/>
-              <a:t>Exchanges are logical configurations that make sense for a customer scenario</a:t>
+              <a:t>Exchanges are logical configurations that </a:t>
+            </a:r>
+            <a:r>
+              <a:rPr lang="en-US" dirty="0" smtClean="0"/>
+              <a:t>model a </a:t>
+            </a:r>
+            <a:r>
+              <a:rPr lang="en-US" dirty="0" smtClean="0"/>
+              <a:t>customer scenario</a:t>
             </a:r>
           </a:p>
           <a:p>
@@ -7871,12 +7835,12 @@
               <a:t>Entire </a:t>
             </a:r>
             <a:r>
-              <a:rPr lang="en-US" dirty="0" smtClean="0"/>
+              <a:rPr lang="en-US" smtClean="0"/>
               <a:t>customer </a:t>
             </a:r>
             <a:r>
-              <a:rPr lang="en-US" dirty="0" smtClean="0"/>
-              <a:t>networks</a:t>
+              <a:rPr lang="en-US" smtClean="0"/>
+              <a:t>network</a:t>
             </a:r>
             <a:endParaRPr lang="en-US" dirty="0" smtClean="0"/>
           </a:p>
@@ -7897,31 +7861,7 @@
           <a:p>
             <a:r>
               <a:rPr lang="en-US" dirty="0" smtClean="0"/>
-              <a:t>Exchanges define </a:t>
-            </a:r>
-            <a:r>
-              <a:rPr lang="en-US" dirty="0" smtClean="0"/>
-              <a:t>how the Engine </a:t>
-            </a:r>
-            <a:r>
-              <a:rPr lang="en-US" dirty="0" smtClean="0"/>
-              <a:t>workload will be segregated, how it will be secured and which </a:t>
-            </a:r>
-            <a:r>
-              <a:rPr lang="en-US" dirty="0" smtClean="0"/>
-              <a:t>Communication Pipeline </a:t>
-            </a:r>
-            <a:r>
-              <a:rPr lang="en-US" dirty="0" smtClean="0"/>
-              <a:t>will be </a:t>
-            </a:r>
-            <a:r>
-              <a:rPr lang="en-US" dirty="0" smtClean="0"/>
-              <a:t>utilized to </a:t>
-            </a:r>
-            <a:r>
-              <a:rPr lang="en-US" dirty="0" smtClean="0"/>
-              <a:t>distribute that workload.</a:t>
+              <a:t>Exchanges define how the Engine workload will be segregated, how it will be secured and which Communication Pipeline will be utilized to distribute that workload.</a:t>
             </a:r>
           </a:p>
           <a:p>
@@ -8070,15 +8010,7 @@
           <a:p>
             <a:r>
               <a:rPr lang="en-US" dirty="0" smtClean="0"/>
-              <a:t>The </a:t>
-            </a:r>
-            <a:r>
-              <a:rPr lang="en-US" dirty="0" smtClean="0"/>
-              <a:t>Communication Pipeline </a:t>
-            </a:r>
-            <a:r>
-              <a:rPr lang="en-US" dirty="0" smtClean="0"/>
-              <a:t>is the underlying infrastructure used for workload distribution. </a:t>
+              <a:t>The Communication Pipeline is the underlying infrastructure used for workload distribution. </a:t>
             </a:r>
           </a:p>
           <a:p>
@@ -8088,15 +8020,7 @@
             </a:r>
             <a:r>
               <a:rPr lang="en-US" dirty="0" smtClean="0"/>
-              <a:t> </a:t>
-            </a:r>
-            <a:r>
-              <a:rPr lang="en-US" dirty="0" smtClean="0"/>
-              <a:t>utilizes </a:t>
-            </a:r>
-            <a:r>
-              <a:rPr lang="en-US" dirty="0" smtClean="0"/>
-              <a:t>the concept of messaging where each task is a message that is placed on the pipeline and travels to its appropriate destination.</a:t>
+              <a:t> utilizes the concept of messaging where each task is a message that is placed on the pipeline and travels to its appropriate destination.</a:t>
             </a:r>
           </a:p>
           <a:p>
@@ -8257,31 +8181,7 @@
           <a:p>
             <a:r>
               <a:rPr lang="en-US" dirty="0" smtClean="0"/>
-              <a:t>An </a:t>
-            </a:r>
-            <a:r>
-              <a:rPr lang="en-US" dirty="0" smtClean="0"/>
-              <a:t>Engine </a:t>
-            </a:r>
-            <a:r>
-              <a:rPr lang="en-US" dirty="0" smtClean="0"/>
-              <a:t>(previously called agent) connects and associates with an </a:t>
-            </a:r>
-            <a:r>
-              <a:rPr lang="en-US" dirty="0" smtClean="0"/>
-              <a:t>Exchange </a:t>
-            </a:r>
-            <a:r>
-              <a:rPr lang="en-US" dirty="0" smtClean="0"/>
-              <a:t>on the </a:t>
-            </a:r>
-            <a:r>
-              <a:rPr lang="en-US" dirty="0" smtClean="0"/>
-              <a:t>Communication Pipeline. </a:t>
-            </a:r>
-            <a:r>
-              <a:rPr lang="en-US" dirty="0" smtClean="0"/>
-              <a:t>Once approved through the Secret Server UI, it can start processing tasks. </a:t>
+              <a:t>An Engine (previously called agent) connects and associates with an Exchange on the Communication Pipeline. Once approved through the Secret Server UI, it can start processing tasks. </a:t>
             </a:r>
           </a:p>
           <a:p>
@@ -8397,19 +8297,7 @@
             </a:r>
             <a:r>
               <a:rPr lang="en-US" dirty="0" smtClean="0"/>
-              <a:t> </a:t>
-            </a:r>
-            <a:r>
-              <a:rPr lang="en-US" dirty="0" smtClean="0"/>
-              <a:t>is </a:t>
-            </a:r>
-            <a:r>
-              <a:rPr lang="en-US" dirty="0" smtClean="0"/>
-              <a:t>a </a:t>
-            </a:r>
-            <a:r>
-              <a:rPr lang="en-US" dirty="0" smtClean="0"/>
-              <a:t>rewrite </a:t>
+              <a:t> is a rewrite </a:t>
             </a:r>
             <a:r>
               <a:rPr lang="en-US" dirty="0"/>
@@ -8433,120 +8321,44 @@
             </a:r>
             <a:r>
               <a:rPr lang="en-US" dirty="0" smtClean="0"/>
-              <a:t>Communication Pipeline paradigm</a:t>
-            </a:r>
+              <a:t>Communication Pipeline paradigm.</a:t>
+            </a:r>
+          </a:p>
+          <a:p>
             <a:r>
               <a:rPr lang="en-US" dirty="0" smtClean="0"/>
-              <a:t>.</a:t>
+              <a:t>Existing business logic is used wherever possible to reduce development time.</a:t>
             </a:r>
           </a:p>
           <a:p>
             <a:r>
               <a:rPr lang="en-US" dirty="0" smtClean="0"/>
-              <a:t>Existing </a:t>
-            </a:r>
+              <a:t>Engines are still Windows services that can be automatically updated.</a:t>
+            </a:r>
+          </a:p>
+          <a:p>
             <a:r>
               <a:rPr lang="en-US" dirty="0" smtClean="0"/>
-              <a:t>business </a:t>
-            </a:r>
+              <a:t>Engines generate their own public/private key to communicate with Secret Server for authentication and any additional data needed to complete a task.</a:t>
+            </a:r>
+          </a:p>
+          <a:p>
             <a:r>
               <a:rPr lang="en-US" dirty="0" smtClean="0"/>
-              <a:t>logic is used </a:t>
-            </a:r>
+              <a:t>Engines use the symmetric key of the Exchange they are associated with to process incoming workload.</a:t>
+            </a:r>
+          </a:p>
+          <a:p>
             <a:r>
               <a:rPr lang="en-US" dirty="0" smtClean="0"/>
-              <a:t>wherever possible to reduce development time.</a:t>
-            </a:r>
+              <a:t>The symmetric key of an Exchange is only issued to approved Engines.</a:t>
+            </a:r>
+            <a:endParaRPr lang="en-US" dirty="0"/>
           </a:p>
           <a:p>
             <a:r>
               <a:rPr lang="en-US" dirty="0" smtClean="0"/>
-              <a:t>Engines </a:t>
-            </a:r>
-            <a:r>
-              <a:rPr lang="en-US" dirty="0" smtClean="0"/>
-              <a:t>are still Windows </a:t>
-            </a:r>
-            <a:r>
-              <a:rPr lang="en-US" dirty="0" smtClean="0"/>
-              <a:t>services that can be automatically updated.</a:t>
-            </a:r>
-          </a:p>
-          <a:p>
-            <a:r>
-              <a:rPr lang="en-US" dirty="0" smtClean="0"/>
-              <a:t>Engines generate </a:t>
-            </a:r>
-            <a:r>
-              <a:rPr lang="en-US" dirty="0" smtClean="0"/>
-              <a:t>their </a:t>
-            </a:r>
-            <a:r>
-              <a:rPr lang="en-US" dirty="0" smtClean="0"/>
-              <a:t>own public/private key to communicate with Secret Server for authentication </a:t>
-            </a:r>
-            <a:r>
-              <a:rPr lang="en-US" dirty="0" smtClean="0"/>
-              <a:t>and any </a:t>
-            </a:r>
-            <a:r>
-              <a:rPr lang="en-US" dirty="0" smtClean="0"/>
-              <a:t>additional data needed to complete a task.</a:t>
-            </a:r>
-          </a:p>
-          <a:p>
-            <a:r>
-              <a:rPr lang="en-US" dirty="0" smtClean="0"/>
-              <a:t>Engines use the symmetric key of the </a:t>
-            </a:r>
-            <a:r>
-              <a:rPr lang="en-US" dirty="0" smtClean="0"/>
-              <a:t>Exchange </a:t>
-            </a:r>
-            <a:r>
-              <a:rPr lang="en-US" dirty="0" smtClean="0"/>
-              <a:t>they are associated with to process </a:t>
-            </a:r>
-            <a:r>
-              <a:rPr lang="en-US" dirty="0" smtClean="0"/>
-              <a:t>incoming workload</a:t>
-            </a:r>
-            <a:r>
-              <a:rPr lang="en-US" dirty="0" smtClean="0"/>
-              <a:t>.</a:t>
-            </a:r>
-          </a:p>
-          <a:p>
-            <a:r>
-              <a:rPr lang="en-US" dirty="0" smtClean="0"/>
-              <a:t>The symmetric key of an </a:t>
-            </a:r>
-            <a:r>
-              <a:rPr lang="en-US" dirty="0" smtClean="0"/>
-              <a:t>Exchange </a:t>
-            </a:r>
-            <a:r>
-              <a:rPr lang="en-US" dirty="0" smtClean="0"/>
-              <a:t>is only issued to approved </a:t>
-            </a:r>
-            <a:r>
-              <a:rPr lang="en-US" dirty="0" smtClean="0"/>
-              <a:t>Engines</a:t>
-            </a:r>
-            <a:r>
-              <a:rPr lang="en-US" dirty="0" smtClean="0"/>
-              <a:t>.</a:t>
-            </a:r>
-            <a:endParaRPr lang="en-US" dirty="0"/>
-          </a:p>
-          <a:p>
-            <a:r>
-              <a:rPr lang="en-US" dirty="0" smtClean="0"/>
-              <a:t>Each Exchange can have multiple Engines to </a:t>
-            </a:r>
-            <a:r>
-              <a:rPr lang="en-US" dirty="0" smtClean="0"/>
-              <a:t>achieve scalability and redundancy.</a:t>
+              <a:t>Each Exchange can have multiple Engines to achieve scalability and redundancy.</a:t>
             </a:r>
           </a:p>
           <a:p>
@@ -8658,31 +8470,7 @@
             </a:r>
             <a:r>
               <a:rPr lang="en-US" dirty="0" smtClean="0"/>
-              <a:t> </a:t>
-            </a:r>
-            <a:r>
-              <a:rPr lang="en-US" dirty="0" smtClean="0"/>
-              <a:t>is </a:t>
-            </a:r>
-            <a:r>
-              <a:rPr lang="en-US" dirty="0" smtClean="0"/>
-              <a:t>released, the automatic update of </a:t>
-            </a:r>
-            <a:r>
-              <a:rPr lang="en-US" dirty="0" smtClean="0"/>
-              <a:t>Agents </a:t>
-            </a:r>
-            <a:r>
-              <a:rPr lang="en-US" dirty="0" smtClean="0"/>
-              <a:t>to </a:t>
-            </a:r>
-            <a:r>
-              <a:rPr lang="en-US" dirty="0" smtClean="0"/>
-              <a:t>Engines </a:t>
-            </a:r>
-            <a:r>
-              <a:rPr lang="en-US" dirty="0" smtClean="0"/>
-              <a:t>would be seamless.</a:t>
+              <a:t> is released, the automatic update of Agents to Engines would be seamless.</a:t>
             </a:r>
           </a:p>
           <a:p>
@@ -8709,15 +8497,7 @@
             <a:pPr lvl="1"/>
             <a:r>
               <a:rPr lang="en-US" dirty="0" smtClean="0"/>
-              <a:t>Agent management </a:t>
-            </a:r>
-            <a:r>
-              <a:rPr lang="en-US" dirty="0" smtClean="0"/>
-              <a:t>is now to </a:t>
-            </a:r>
-            <a:r>
-              <a:rPr lang="en-US" dirty="0" smtClean="0"/>
-              <a:t>Engine management</a:t>
+              <a:t>Agent management is now to Engine management</a:t>
             </a:r>
           </a:p>
           <a:p>
@@ -8739,29 +8519,15 @@
             <a:pPr lvl="1"/>
             <a:r>
               <a:rPr lang="en-US" dirty="0" smtClean="0"/>
-              <a:t>Additional </a:t>
-            </a:r>
+              <a:t>Additional network ports may be needed</a:t>
+            </a:r>
+          </a:p>
+          <a:p>
+            <a:pPr lvl="1"/>
             <a:r>
               <a:rPr lang="en-US" dirty="0" smtClean="0"/>
-              <a:t>network ports </a:t>
-            </a:r>
-            <a:r>
-              <a:rPr lang="en-US" dirty="0" smtClean="0"/>
-              <a:t>may be needed</a:t>
-            </a:r>
-            <a:endParaRPr lang="en-US" dirty="0" smtClean="0"/>
-          </a:p>
-          <a:p>
-            <a:pPr lvl="1"/>
-            <a:r>
-              <a:rPr lang="en-US" dirty="0" smtClean="0"/>
-              <a:t>SSL certificates for </a:t>
-            </a:r>
-            <a:r>
-              <a:rPr lang="en-US" dirty="0" smtClean="0"/>
-              <a:t>Communication Pipeline may be needed</a:t>
-            </a:r>
-            <a:endParaRPr lang="en-US" dirty="0" smtClean="0"/>
+              <a:t>SSL certificates for Communication Pipeline may be needed</a:t>
+            </a:r>
           </a:p>
         </p:txBody>
       </p:sp>

--- a/documentation/redesignbasicoverview/redesignbasicoverview.pptx
+++ b/documentation/redesignbasicoverview/redesignbasicoverview.pptx
@@ -182,7 +182,7 @@
             </a:lvl1pPr>
           </a:lstStyle>
           <a:p>
-            <a:endParaRPr lang="en-US"/>
+            <a:endParaRPr lang="en-US" dirty="0"/>
           </a:p>
         </p:txBody>
       </p:sp>
@@ -217,7 +217,7 @@
               <a:rPr lang="en-US" smtClean="0"/>
               <a:t>3/12/2015</a:t>
             </a:fld>
-            <a:endParaRPr lang="en-US"/>
+            <a:endParaRPr lang="en-US" dirty="0"/>
           </a:p>
         </p:txBody>
       </p:sp>
@@ -248,7 +248,7 @@
             </a:lvl1pPr>
           </a:lstStyle>
           <a:p>
-            <a:endParaRPr lang="en-US"/>
+            <a:endParaRPr lang="en-US" dirty="0"/>
           </a:p>
         </p:txBody>
       </p:sp>
@@ -283,7 +283,7 @@
               <a:rPr lang="en-US" smtClean="0"/>
               <a:t>‹#›</a:t>
             </a:fld>
-            <a:endParaRPr lang="en-US"/>
+            <a:endParaRPr lang="en-US" dirty="0"/>
           </a:p>
         </p:txBody>
       </p:sp>
@@ -347,7 +347,7 @@
             </a:lvl1pPr>
           </a:lstStyle>
           <a:p>
-            <a:endParaRPr lang="en-US"/>
+            <a:endParaRPr lang="en-US" dirty="0"/>
           </a:p>
         </p:txBody>
       </p:sp>
@@ -382,7 +382,7 @@
               <a:rPr lang="en-US" smtClean="0"/>
               <a:t>3/12/2015</a:t>
             </a:fld>
-            <a:endParaRPr lang="en-US"/>
+            <a:endParaRPr lang="en-US" dirty="0"/>
           </a:p>
         </p:txBody>
       </p:sp>
@@ -415,7 +415,7 @@
           <a:bodyPr vert="horz" lIns="92446" tIns="46223" rIns="92446" bIns="46223" rtlCol="0" anchor="ctr"/>
           <a:lstStyle/>
           <a:p>
-            <a:endParaRPr lang="en-US"/>
+            <a:endParaRPr lang="en-US" dirty="0"/>
           </a:p>
         </p:txBody>
       </p:sp>
@@ -506,7 +506,7 @@
             </a:lvl1pPr>
           </a:lstStyle>
           <a:p>
-            <a:endParaRPr lang="en-US"/>
+            <a:endParaRPr lang="en-US" dirty="0"/>
           </a:p>
         </p:txBody>
       </p:sp>
@@ -541,7 +541,7 @@
               <a:rPr lang="en-US" smtClean="0"/>
               <a:t>‹#›</a:t>
             </a:fld>
-            <a:endParaRPr lang="en-US"/>
+            <a:endParaRPr lang="en-US" dirty="0"/>
           </a:p>
         </p:txBody>
       </p:sp>
@@ -692,7 +692,7 @@
           <a:bodyPr/>
           <a:lstStyle/>
           <a:p>
-            <a:endParaRPr lang="en-US"/>
+            <a:endParaRPr lang="en-US" dirty="0"/>
           </a:p>
         </p:txBody>
       </p:sp>
@@ -715,7 +715,7 @@
               <a:rPr lang="en-US" smtClean="0"/>
               <a:t>1</a:t>
             </a:fld>
-            <a:endParaRPr lang="en-US"/>
+            <a:endParaRPr lang="en-US" dirty="0"/>
           </a:p>
         </p:txBody>
       </p:sp>
@@ -799,7 +799,7 @@
               <a:rPr lang="en-US" smtClean="0"/>
               <a:t>2</a:t>
             </a:fld>
-            <a:endParaRPr lang="en-US"/>
+            <a:endParaRPr lang="en-US" dirty="0"/>
           </a:p>
         </p:txBody>
       </p:sp>
@@ -883,7 +883,7 @@
               <a:rPr lang="en-US" smtClean="0"/>
               <a:t>4</a:t>
             </a:fld>
-            <a:endParaRPr lang="en-US"/>
+            <a:endParaRPr lang="en-US" dirty="0"/>
           </a:p>
         </p:txBody>
       </p:sp>
@@ -967,7 +967,7 @@
               <a:rPr lang="en-US" smtClean="0"/>
               <a:t>7</a:t>
             </a:fld>
-            <a:endParaRPr lang="en-US"/>
+            <a:endParaRPr lang="en-US" dirty="0"/>
           </a:p>
         </p:txBody>
       </p:sp>
@@ -1051,7 +1051,7 @@
               <a:rPr lang="en-US" smtClean="0"/>
               <a:t>10</a:t>
             </a:fld>
-            <a:endParaRPr lang="en-US"/>
+            <a:endParaRPr lang="en-US" dirty="0"/>
           </a:p>
         </p:txBody>
       </p:sp>
@@ -1135,7 +1135,7 @@
               <a:rPr lang="en-US" smtClean="0"/>
               <a:t>13</a:t>
             </a:fld>
-            <a:endParaRPr lang="en-US"/>
+            <a:endParaRPr lang="en-US" dirty="0"/>
           </a:p>
         </p:txBody>
       </p:sp>
@@ -1876,7 +1876,7 @@
               <a:rPr lang="en-US" smtClean="0"/>
               <a:t>3/12/2015</a:t>
             </a:fld>
-            <a:endParaRPr lang="en-US"/>
+            <a:endParaRPr lang="en-US" dirty="0"/>
           </a:p>
         </p:txBody>
       </p:sp>
@@ -1895,7 +1895,7 @@
           <a:bodyPr/>
           <a:lstStyle/>
           <a:p>
-            <a:endParaRPr lang="en-US"/>
+            <a:endParaRPr lang="en-US" dirty="0"/>
           </a:p>
         </p:txBody>
       </p:sp>
@@ -1918,7 +1918,7 @@
               <a:rPr lang="en-US" smtClean="0"/>
               <a:t>‹#›</a:t>
             </a:fld>
-            <a:endParaRPr lang="en-US"/>
+            <a:endParaRPr lang="en-US" dirty="0"/>
           </a:p>
         </p:txBody>
       </p:sp>
@@ -2127,7 +2127,7 @@
               <a:rPr lang="en-US" smtClean="0"/>
               <a:t>3/12/2015</a:t>
             </a:fld>
-            <a:endParaRPr lang="en-US"/>
+            <a:endParaRPr lang="en-US" dirty="0"/>
           </a:p>
         </p:txBody>
       </p:sp>
@@ -2146,7 +2146,7 @@
           <a:bodyPr/>
           <a:lstStyle/>
           <a:p>
-            <a:endParaRPr lang="en-US"/>
+            <a:endParaRPr lang="en-US" dirty="0"/>
           </a:p>
         </p:txBody>
       </p:sp>
@@ -2169,7 +2169,7 @@
               <a:rPr lang="en-US" smtClean="0"/>
               <a:t>‹#›</a:t>
             </a:fld>
-            <a:endParaRPr lang="en-US"/>
+            <a:endParaRPr lang="en-US" dirty="0"/>
           </a:p>
         </p:txBody>
       </p:sp>
@@ -2441,7 +2441,7 @@
               <a:rPr lang="en-US" smtClean="0"/>
               <a:t>3/12/2015</a:t>
             </a:fld>
-            <a:endParaRPr lang="en-US"/>
+            <a:endParaRPr lang="en-US" dirty="0"/>
           </a:p>
         </p:txBody>
       </p:sp>
@@ -2460,7 +2460,7 @@
           <a:bodyPr/>
           <a:lstStyle/>
           <a:p>
-            <a:endParaRPr lang="en-US"/>
+            <a:endParaRPr lang="en-US" dirty="0"/>
           </a:p>
         </p:txBody>
       </p:sp>
@@ -2483,7 +2483,7 @@
               <a:rPr lang="en-US" smtClean="0"/>
               <a:t>‹#›</a:t>
             </a:fld>
-            <a:endParaRPr lang="en-US"/>
+            <a:endParaRPr lang="en-US" dirty="0"/>
           </a:p>
         </p:txBody>
       </p:sp>
@@ -2782,7 +2782,7 @@
               <a:rPr lang="en-US" smtClean="0"/>
               <a:t>3/12/2015</a:t>
             </a:fld>
-            <a:endParaRPr lang="en-US"/>
+            <a:endParaRPr lang="en-US" dirty="0"/>
           </a:p>
         </p:txBody>
       </p:sp>
@@ -2801,7 +2801,7 @@
           <a:bodyPr/>
           <a:lstStyle/>
           <a:p>
-            <a:endParaRPr lang="en-US"/>
+            <a:endParaRPr lang="en-US" dirty="0"/>
           </a:p>
         </p:txBody>
       </p:sp>
@@ -2824,7 +2824,7 @@
               <a:rPr lang="en-US" smtClean="0"/>
               <a:t>‹#›</a:t>
             </a:fld>
-            <a:endParaRPr lang="en-US"/>
+            <a:endParaRPr lang="en-US" dirty="0"/>
           </a:p>
         </p:txBody>
       </p:sp>
@@ -3096,7 +3096,7 @@
               <a:rPr lang="en-US" smtClean="0"/>
               <a:t>3/12/2015</a:t>
             </a:fld>
-            <a:endParaRPr lang="en-US"/>
+            <a:endParaRPr lang="en-US" dirty="0"/>
           </a:p>
         </p:txBody>
       </p:sp>
@@ -3115,7 +3115,7 @@
           <a:bodyPr/>
           <a:lstStyle/>
           <a:p>
-            <a:endParaRPr lang="en-US"/>
+            <a:endParaRPr lang="en-US" dirty="0"/>
           </a:p>
         </p:txBody>
       </p:sp>
@@ -3138,7 +3138,7 @@
               <a:rPr lang="en-US" smtClean="0"/>
               <a:t>‹#›</a:t>
             </a:fld>
-            <a:endParaRPr lang="en-US"/>
+            <a:endParaRPr lang="en-US" dirty="0"/>
           </a:p>
         </p:txBody>
       </p:sp>
@@ -3489,7 +3489,7 @@
               <a:rPr lang="en-US" smtClean="0"/>
               <a:t>3/12/2015</a:t>
             </a:fld>
-            <a:endParaRPr lang="en-US"/>
+            <a:endParaRPr lang="en-US" dirty="0"/>
           </a:p>
         </p:txBody>
       </p:sp>
@@ -3508,7 +3508,7 @@
           <a:bodyPr/>
           <a:lstStyle/>
           <a:p>
-            <a:endParaRPr lang="en-US"/>
+            <a:endParaRPr lang="en-US" dirty="0"/>
           </a:p>
         </p:txBody>
       </p:sp>
@@ -3531,7 +3531,7 @@
               <a:rPr lang="en-US" smtClean="0"/>
               <a:t>‹#›</a:t>
             </a:fld>
-            <a:endParaRPr lang="en-US"/>
+            <a:endParaRPr lang="en-US" dirty="0"/>
           </a:p>
         </p:txBody>
       </p:sp>
@@ -3659,7 +3659,7 @@
               <a:rPr lang="en-US" smtClean="0"/>
               <a:t>3/12/2015</a:t>
             </a:fld>
-            <a:endParaRPr lang="en-US"/>
+            <a:endParaRPr lang="en-US" dirty="0"/>
           </a:p>
         </p:txBody>
       </p:sp>
@@ -3678,7 +3678,7 @@
           <a:bodyPr/>
           <a:lstStyle/>
           <a:p>
-            <a:endParaRPr lang="en-US"/>
+            <a:endParaRPr lang="en-US" dirty="0"/>
           </a:p>
         </p:txBody>
       </p:sp>
@@ -3701,7 +3701,7 @@
               <a:rPr lang="en-US" smtClean="0"/>
               <a:t>‹#›</a:t>
             </a:fld>
-            <a:endParaRPr lang="en-US"/>
+            <a:endParaRPr lang="en-US" dirty="0"/>
           </a:p>
         </p:txBody>
       </p:sp>
@@ -3839,7 +3839,7 @@
               <a:rPr lang="en-US" smtClean="0"/>
               <a:t>3/12/2015</a:t>
             </a:fld>
-            <a:endParaRPr lang="en-US"/>
+            <a:endParaRPr lang="en-US" dirty="0"/>
           </a:p>
         </p:txBody>
       </p:sp>
@@ -3858,7 +3858,7 @@
           <a:bodyPr/>
           <a:lstStyle/>
           <a:p>
-            <a:endParaRPr lang="en-US"/>
+            <a:endParaRPr lang="en-US" dirty="0"/>
           </a:p>
         </p:txBody>
       </p:sp>
@@ -3881,7 +3881,7 @@
               <a:rPr lang="en-US" smtClean="0"/>
               <a:t>‹#›</a:t>
             </a:fld>
-            <a:endParaRPr lang="en-US"/>
+            <a:endParaRPr lang="en-US" dirty="0"/>
           </a:p>
         </p:txBody>
       </p:sp>
@@ -4015,7 +4015,7 @@
               <a:rPr lang="en-US" smtClean="0"/>
               <a:t>3/12/2015</a:t>
             </a:fld>
-            <a:endParaRPr lang="en-US"/>
+            <a:endParaRPr lang="en-US" dirty="0"/>
           </a:p>
         </p:txBody>
       </p:sp>
@@ -4034,7 +4034,7 @@
           <a:bodyPr/>
           <a:lstStyle/>
           <a:p>
-            <a:endParaRPr lang="en-US"/>
+            <a:endParaRPr lang="en-US" dirty="0"/>
           </a:p>
         </p:txBody>
       </p:sp>
@@ -4057,7 +4057,7 @@
               <a:rPr lang="en-US" smtClean="0"/>
               <a:t>‹#›</a:t>
             </a:fld>
-            <a:endParaRPr lang="en-US"/>
+            <a:endParaRPr lang="en-US" dirty="0"/>
           </a:p>
         </p:txBody>
       </p:sp>
@@ -4262,7 +4262,7 @@
               <a:rPr lang="en-US" smtClean="0"/>
               <a:t>3/12/2015</a:t>
             </a:fld>
-            <a:endParaRPr lang="en-US"/>
+            <a:endParaRPr lang="en-US" dirty="0"/>
           </a:p>
         </p:txBody>
       </p:sp>
@@ -4281,7 +4281,7 @@
           <a:bodyPr/>
           <a:lstStyle/>
           <a:p>
-            <a:endParaRPr lang="en-US"/>
+            <a:endParaRPr lang="en-US" dirty="0"/>
           </a:p>
         </p:txBody>
       </p:sp>
@@ -4304,7 +4304,7 @@
               <a:rPr lang="en-US" smtClean="0"/>
               <a:t>‹#›</a:t>
             </a:fld>
-            <a:endParaRPr lang="en-US"/>
+            <a:endParaRPr lang="en-US" dirty="0"/>
           </a:p>
         </p:txBody>
       </p:sp>
@@ -4494,7 +4494,7 @@
               <a:rPr lang="en-US" smtClean="0"/>
               <a:t>3/12/2015</a:t>
             </a:fld>
-            <a:endParaRPr lang="en-US"/>
+            <a:endParaRPr lang="en-US" dirty="0"/>
           </a:p>
         </p:txBody>
       </p:sp>
@@ -4513,7 +4513,7 @@
           <a:bodyPr/>
           <a:lstStyle/>
           <a:p>
-            <a:endParaRPr lang="en-US"/>
+            <a:endParaRPr lang="en-US" dirty="0"/>
           </a:p>
         </p:txBody>
       </p:sp>
@@ -4536,7 +4536,7 @@
               <a:rPr lang="en-US" smtClean="0"/>
               <a:t>‹#›</a:t>
             </a:fld>
-            <a:endParaRPr lang="en-US"/>
+            <a:endParaRPr lang="en-US" dirty="0"/>
           </a:p>
         </p:txBody>
       </p:sp>
@@ -4868,7 +4868,7 @@
               <a:rPr lang="en-US" smtClean="0"/>
               <a:t>3/12/2015</a:t>
             </a:fld>
-            <a:endParaRPr lang="en-US"/>
+            <a:endParaRPr lang="en-US" dirty="0"/>
           </a:p>
         </p:txBody>
       </p:sp>
@@ -4887,7 +4887,7 @@
           <a:bodyPr/>
           <a:lstStyle/>
           <a:p>
-            <a:endParaRPr lang="en-US"/>
+            <a:endParaRPr lang="en-US" dirty="0"/>
           </a:p>
         </p:txBody>
       </p:sp>
@@ -4910,7 +4910,7 @@
               <a:rPr lang="en-US" smtClean="0"/>
               <a:t>‹#›</a:t>
             </a:fld>
-            <a:endParaRPr lang="en-US"/>
+            <a:endParaRPr lang="en-US" dirty="0"/>
           </a:p>
         </p:txBody>
       </p:sp>
@@ -4991,7 +4991,7 @@
               <a:rPr lang="en-US" smtClean="0"/>
               <a:t>3/12/2015</a:t>
             </a:fld>
-            <a:endParaRPr lang="en-US"/>
+            <a:endParaRPr lang="en-US" dirty="0"/>
           </a:p>
         </p:txBody>
       </p:sp>
@@ -5010,7 +5010,7 @@
           <a:bodyPr/>
           <a:lstStyle/>
           <a:p>
-            <a:endParaRPr lang="en-US"/>
+            <a:endParaRPr lang="en-US" dirty="0"/>
           </a:p>
         </p:txBody>
       </p:sp>
@@ -5033,7 +5033,7 @@
               <a:rPr lang="en-US" smtClean="0"/>
               <a:t>‹#›</a:t>
             </a:fld>
-            <a:endParaRPr lang="en-US"/>
+            <a:endParaRPr lang="en-US" dirty="0"/>
           </a:p>
         </p:txBody>
       </p:sp>
@@ -5086,7 +5086,7 @@
               <a:rPr lang="en-US" smtClean="0"/>
               <a:t>3/12/2015</a:t>
             </a:fld>
-            <a:endParaRPr lang="en-US"/>
+            <a:endParaRPr lang="en-US" dirty="0"/>
           </a:p>
         </p:txBody>
       </p:sp>
@@ -5105,7 +5105,7 @@
           <a:bodyPr/>
           <a:lstStyle/>
           <a:p>
-            <a:endParaRPr lang="en-US"/>
+            <a:endParaRPr lang="en-US" dirty="0"/>
           </a:p>
         </p:txBody>
       </p:sp>
@@ -5128,7 +5128,7 @@
               <a:rPr lang="en-US" smtClean="0"/>
               <a:t>‹#›</a:t>
             </a:fld>
-            <a:endParaRPr lang="en-US"/>
+            <a:endParaRPr lang="en-US" dirty="0"/>
           </a:p>
         </p:txBody>
       </p:sp>
@@ -5341,7 +5341,7 @@
               <a:rPr lang="en-US" smtClean="0"/>
               <a:t>3/12/2015</a:t>
             </a:fld>
-            <a:endParaRPr lang="en-US"/>
+            <a:endParaRPr lang="en-US" dirty="0"/>
           </a:p>
         </p:txBody>
       </p:sp>
@@ -5360,7 +5360,7 @@
           <a:bodyPr/>
           <a:lstStyle/>
           <a:p>
-            <a:endParaRPr lang="en-US"/>
+            <a:endParaRPr lang="en-US" dirty="0"/>
           </a:p>
         </p:txBody>
       </p:sp>
@@ -5383,7 +5383,7 @@
               <a:rPr lang="en-US" smtClean="0"/>
               <a:t>‹#›</a:t>
             </a:fld>
-            <a:endParaRPr lang="en-US"/>
+            <a:endParaRPr lang="en-US" dirty="0"/>
           </a:p>
         </p:txBody>
       </p:sp>
@@ -5511,7 +5511,7 @@
           </a:lstStyle>
           <a:p>
             <a:r>
-              <a:rPr lang="en-US" smtClean="0"/>
+              <a:rPr lang="en-US" dirty="0" smtClean="0"/>
               <a:t>Click icon to add picture</a:t>
             </a:r>
             <a:endParaRPr lang="en-US" dirty="0"/>
@@ -5604,7 +5604,7 @@
               <a:rPr lang="en-US" smtClean="0"/>
               <a:t>3/12/2015</a:t>
             </a:fld>
-            <a:endParaRPr lang="en-US"/>
+            <a:endParaRPr lang="en-US" dirty="0"/>
           </a:p>
         </p:txBody>
       </p:sp>
@@ -5623,7 +5623,7 @@
           <a:bodyPr/>
           <a:lstStyle/>
           <a:p>
-            <a:endParaRPr lang="en-US"/>
+            <a:endParaRPr lang="en-US" dirty="0"/>
           </a:p>
         </p:txBody>
       </p:sp>
@@ -5646,7 +5646,7 @@
               <a:rPr lang="en-US" smtClean="0"/>
               <a:t>‹#›</a:t>
             </a:fld>
-            <a:endParaRPr lang="en-US"/>
+            <a:endParaRPr lang="en-US" dirty="0"/>
           </a:p>
         </p:txBody>
       </p:sp>
@@ -6347,7 +6347,7 @@
               <a:rPr lang="en-US" smtClean="0"/>
               <a:t>3/12/2015</a:t>
             </a:fld>
-            <a:endParaRPr lang="en-US"/>
+            <a:endParaRPr lang="en-US" dirty="0"/>
           </a:p>
         </p:txBody>
       </p:sp>
@@ -6384,7 +6384,7 @@
             </a:lvl1pPr>
           </a:lstStyle>
           <a:p>
-            <a:endParaRPr lang="en-US"/>
+            <a:endParaRPr lang="en-US" dirty="0"/>
           </a:p>
         </p:txBody>
       </p:sp>
@@ -6423,7 +6423,7 @@
               <a:rPr lang="en-US" smtClean="0"/>
               <a:t>‹#›</a:t>
             </a:fld>
-            <a:endParaRPr lang="en-US"/>
+            <a:endParaRPr lang="en-US" dirty="0"/>
           </a:p>
         </p:txBody>
       </p:sp>
@@ -6925,12 +6925,8 @@
           <a:lstStyle/>
           <a:p>
             <a:r>
-              <a:rPr lang="en-US" dirty="0" err="1" smtClean="0"/>
-              <a:t>vNext</a:t>
-            </a:r>
-            <a:r>
               <a:rPr lang="en-US" dirty="0" smtClean="0"/>
-              <a:t> Basic Overview and Comparison</a:t>
+              <a:t>vNext Basic Overview and Comparison</a:t>
             </a:r>
           </a:p>
           <a:p>
@@ -7199,7 +7195,7 @@
           <a:bodyPr/>
           <a:lstStyle/>
           <a:p>
-            <a:endParaRPr lang="en-US"/>
+            <a:endParaRPr lang="en-US" dirty="0"/>
           </a:p>
         </p:txBody>
       </p:sp>
@@ -7218,7 +7214,7 @@
           <a:bodyPr/>
           <a:lstStyle/>
           <a:p>
-            <a:endParaRPr lang="en-US"/>
+            <a:endParaRPr lang="en-US" dirty="0"/>
           </a:p>
         </p:txBody>
       </p:sp>
@@ -7512,11 +7508,7 @@
           <a:p>
             <a:r>
               <a:rPr lang="en-US" dirty="0" smtClean="0"/>
-              <a:t>Project scope of </a:t>
-            </a:r>
-            <a:r>
-              <a:rPr lang="en-US" dirty="0" err="1" smtClean="0"/>
-              <a:t>vNext</a:t>
+              <a:t>Project scope of vNext</a:t>
             </a:r>
             <a:endParaRPr lang="en-US" dirty="0"/>
           </a:p>
@@ -7692,12 +7684,8 @@
           <a:lstStyle/>
           <a:p>
             <a:r>
-              <a:rPr lang="en-US" dirty="0" err="1" smtClean="0"/>
-              <a:t>vNext</a:t>
-            </a:r>
-            <a:r>
               <a:rPr lang="en-US" dirty="0" smtClean="0"/>
-              <a:t> introduces the concept of the Exchange: Requests for various tasks are placed on the Exchange where they are available for processing.</a:t>
+              <a:t>vNext introduces the concept of the Exchange: Requests for various tasks are placed on the Exchange where they are available for processing.</a:t>
             </a:r>
           </a:p>
           <a:p>
@@ -7810,15 +7798,7 @@
           <a:p>
             <a:r>
               <a:rPr lang="en-US" dirty="0" smtClean="0"/>
-              <a:t>Exchanges are logical configurations that </a:t>
-            </a:r>
-            <a:r>
-              <a:rPr lang="en-US" dirty="0" smtClean="0"/>
-              <a:t>model a </a:t>
-            </a:r>
-            <a:r>
-              <a:rPr lang="en-US" dirty="0" smtClean="0"/>
-              <a:t>customer scenario</a:t>
+              <a:t>Exchanges are logical configurations that model a customer scenario</a:t>
             </a:r>
           </a:p>
           <a:p>
@@ -7832,17 +7812,8 @@
             <a:pPr lvl="2"/>
             <a:r>
               <a:rPr lang="en-US" dirty="0" smtClean="0"/>
-              <a:t>Entire </a:t>
-            </a:r>
-            <a:r>
-              <a:rPr lang="en-US" smtClean="0"/>
-              <a:t>customer </a:t>
-            </a:r>
-            <a:r>
-              <a:rPr lang="en-US" smtClean="0"/>
-              <a:t>network</a:t>
-            </a:r>
-            <a:endParaRPr lang="en-US" dirty="0" smtClean="0"/>
+              <a:t>Entire customer network</a:t>
+            </a:r>
           </a:p>
           <a:p>
             <a:pPr lvl="2"/>
@@ -8015,12 +7986,8 @@
           </a:p>
           <a:p>
             <a:r>
-              <a:rPr lang="en-US" dirty="0" err="1" smtClean="0"/>
-              <a:t>vNext</a:t>
-            </a:r>
-            <a:r>
               <a:rPr lang="en-US" dirty="0" smtClean="0"/>
-              <a:t> utilizes the concept of messaging where each task is a message that is placed on the pipeline and travels to its appropriate destination.</a:t>
+              <a:t>vNext utilizes the concept of messaging where each task is a message that is placed on the pipeline and travels to its appropriate destination.</a:t>
             </a:r>
           </a:p>
           <a:p>
@@ -8033,25 +8000,6 @@
             <a:pPr lvl="1"/>
             <a:r>
               <a:rPr lang="en-US" b="1" dirty="0" smtClean="0"/>
-              <a:t>Basic</a:t>
-            </a:r>
-            <a:r>
-              <a:rPr lang="en-US" dirty="0" smtClean="0"/>
-              <a:t>: Built-in </a:t>
-            </a:r>
-            <a:r>
-              <a:rPr lang="en-US" dirty="0" err="1" smtClean="0"/>
-              <a:t>MemoryMq</a:t>
-            </a:r>
-            <a:r>
-              <a:rPr lang="en-US" dirty="0" smtClean="0"/>
-              <a:t> provides no clustering capabilities. Recommended for small networks or development purposes.</a:t>
-            </a:r>
-          </a:p>
-          <a:p>
-            <a:pPr lvl="1"/>
-            <a:r>
-              <a:rPr lang="en-US" b="1" dirty="0" smtClean="0"/>
               <a:t>Professional</a:t>
             </a:r>
             <a:r>
@@ -8059,12 +8007,23 @@
               <a:t>: </a:t>
             </a:r>
             <a:r>
-              <a:rPr lang="en-US" dirty="0" err="1" smtClean="0"/>
-              <a:t>RabbitMq</a:t>
-            </a:r>
-            <a:r>
               <a:rPr lang="en-US" dirty="0" smtClean="0"/>
-              <a:t> provides clustering capabilities. </a:t>
+              <a:t>Built-in MemoryMq provides no clustering capabilities. Recommended for small networks or development purposes.</a:t>
+            </a:r>
+          </a:p>
+          <a:p>
+            <a:pPr lvl="1"/>
+            <a:r>
+              <a:rPr lang="en-US" b="1" dirty="0" smtClean="0"/>
+              <a:t>Enterprise</a:t>
+            </a:r>
+            <a:r>
+              <a:rPr lang="en-US" dirty="0" smtClean="0"/>
+              <a:t>: </a:t>
+            </a:r>
+            <a:r>
+              <a:rPr lang="en-US" dirty="0" smtClean="0"/>
+              <a:t>RabbitMq provides clustering capabilities. </a:t>
             </a:r>
           </a:p>
           <a:p>
@@ -8292,12 +8251,8 @@
           <a:lstStyle/>
           <a:p>
             <a:r>
-              <a:rPr lang="en-US" dirty="0" err="1" smtClean="0"/>
-              <a:t>vNext</a:t>
-            </a:r>
-            <a:r>
               <a:rPr lang="en-US" dirty="0" smtClean="0"/>
-              <a:t> is a rewrite </a:t>
+              <a:t>vNext is a rewrite </a:t>
             </a:r>
             <a:r>
               <a:rPr lang="en-US" dirty="0"/>
@@ -8462,15 +8417,7 @@
             </a:r>
             <a:r>
               <a:rPr lang="en-US" dirty="0" smtClean="0"/>
-              <a:t> circumstances, when </a:t>
-            </a:r>
-            <a:r>
-              <a:rPr lang="en-US" dirty="0" err="1" smtClean="0"/>
-              <a:t>vNext</a:t>
-            </a:r>
-            <a:r>
-              <a:rPr lang="en-US" dirty="0" smtClean="0"/>
-              <a:t> is released, the automatic update of Agents to Engines would be seamless.</a:t>
+              <a:t> circumstances, when vNext is released, the automatic update of Agents to Engines would be seamless.</a:t>
             </a:r>
           </a:p>
           <a:p>
